--- a/ML Algorithms Final.pptx
+++ b/ML Algorithms Final.pptx
@@ -7516,7 +7516,7 @@
           <p:nvPr>
             <p:extLst>
               <p:ext uri="{D42A27DB-BD31-4B8C-83A1-F6EECF244321}">
-                <p14:modId xmlns:p14="http://schemas.microsoft.com/office/powerpoint/2010/main" val="3806798606"/>
+                <p14:modId xmlns:p14="http://schemas.microsoft.com/office/powerpoint/2010/main" val="2880575267"/>
               </p:ext>
             </p:extLst>
           </p:nvPr>
@@ -8636,7 +8636,7 @@
                     <a:p>
                       <a:r>
                         <a:rPr lang="en-US" sz="1600" dirty="0"/>
-                        <a:t>Fast</a:t>
+                        <a:t>slow</a:t>
                       </a:r>
                     </a:p>
                     <a:p>
